--- a/Presentation1.pptx
+++ b/Presentation1.pptx
@@ -228,7 +228,7 @@
           <a:p>
             <a:fld id="{28CB7D1A-4722-4266-8EA7-C5CAA1CA4236}" type="datetimeFigureOut">
               <a:rPr lang="en-IN" smtClean="0"/>
-              <a:t>30-07-2019</a:t>
+              <a:t>13-08-2019</a:t>
             </a:fld>
             <a:endParaRPr lang="en-IN"/>
           </a:p>
@@ -833,7 +833,7 @@
           <a:p>
             <a:fld id="{6403E9CE-6693-45FA-B7B1-E1636F392112}" type="datetimeFigureOut">
               <a:rPr lang="en-IN" smtClean="0"/>
-              <a:t>30-07-2019</a:t>
+              <a:t>13-08-2019</a:t>
             </a:fld>
             <a:endParaRPr lang="en-IN"/>
           </a:p>
@@ -1033,7 +1033,7 @@
           <a:p>
             <a:fld id="{6403E9CE-6693-45FA-B7B1-E1636F392112}" type="datetimeFigureOut">
               <a:rPr lang="en-IN" smtClean="0"/>
-              <a:t>30-07-2019</a:t>
+              <a:t>13-08-2019</a:t>
             </a:fld>
             <a:endParaRPr lang="en-IN"/>
           </a:p>
@@ -1243,7 +1243,7 @@
           <a:p>
             <a:fld id="{6403E9CE-6693-45FA-B7B1-E1636F392112}" type="datetimeFigureOut">
               <a:rPr lang="en-IN" smtClean="0"/>
-              <a:t>30-07-2019</a:t>
+              <a:t>13-08-2019</a:t>
             </a:fld>
             <a:endParaRPr lang="en-IN"/>
           </a:p>
@@ -1443,7 +1443,7 @@
           <a:p>
             <a:fld id="{6403E9CE-6693-45FA-B7B1-E1636F392112}" type="datetimeFigureOut">
               <a:rPr lang="en-IN" smtClean="0"/>
-              <a:t>30-07-2019</a:t>
+              <a:t>13-08-2019</a:t>
             </a:fld>
             <a:endParaRPr lang="en-IN"/>
           </a:p>
@@ -1719,7 +1719,7 @@
           <a:p>
             <a:fld id="{6403E9CE-6693-45FA-B7B1-E1636F392112}" type="datetimeFigureOut">
               <a:rPr lang="en-IN" smtClean="0"/>
-              <a:t>30-07-2019</a:t>
+              <a:t>13-08-2019</a:t>
             </a:fld>
             <a:endParaRPr lang="en-IN"/>
           </a:p>
@@ -1987,7 +1987,7 @@
           <a:p>
             <a:fld id="{6403E9CE-6693-45FA-B7B1-E1636F392112}" type="datetimeFigureOut">
               <a:rPr lang="en-IN" smtClean="0"/>
-              <a:t>30-07-2019</a:t>
+              <a:t>13-08-2019</a:t>
             </a:fld>
             <a:endParaRPr lang="en-IN"/>
           </a:p>
@@ -2402,7 +2402,7 @@
           <a:p>
             <a:fld id="{6403E9CE-6693-45FA-B7B1-E1636F392112}" type="datetimeFigureOut">
               <a:rPr lang="en-IN" smtClean="0"/>
-              <a:t>30-07-2019</a:t>
+              <a:t>13-08-2019</a:t>
             </a:fld>
             <a:endParaRPr lang="en-IN"/>
           </a:p>
@@ -2544,7 +2544,7 @@
           <a:p>
             <a:fld id="{6403E9CE-6693-45FA-B7B1-E1636F392112}" type="datetimeFigureOut">
               <a:rPr lang="en-IN" smtClean="0"/>
-              <a:t>30-07-2019</a:t>
+              <a:t>13-08-2019</a:t>
             </a:fld>
             <a:endParaRPr lang="en-IN"/>
           </a:p>
@@ -2657,7 +2657,7 @@
           <a:p>
             <a:fld id="{6403E9CE-6693-45FA-B7B1-E1636F392112}" type="datetimeFigureOut">
               <a:rPr lang="en-IN" smtClean="0"/>
-              <a:t>30-07-2019</a:t>
+              <a:t>13-08-2019</a:t>
             </a:fld>
             <a:endParaRPr lang="en-IN"/>
           </a:p>
@@ -2970,7 +2970,7 @@
           <a:p>
             <a:fld id="{6403E9CE-6693-45FA-B7B1-E1636F392112}" type="datetimeFigureOut">
               <a:rPr lang="en-IN" smtClean="0"/>
-              <a:t>30-07-2019</a:t>
+              <a:t>13-08-2019</a:t>
             </a:fld>
             <a:endParaRPr lang="en-IN"/>
           </a:p>
@@ -3259,7 +3259,7 @@
           <a:p>
             <a:fld id="{6403E9CE-6693-45FA-B7B1-E1636F392112}" type="datetimeFigureOut">
               <a:rPr lang="en-IN" smtClean="0"/>
-              <a:t>30-07-2019</a:t>
+              <a:t>13-08-2019</a:t>
             </a:fld>
             <a:endParaRPr lang="en-IN"/>
           </a:p>
@@ -3502,7 +3502,7 @@
           <a:p>
             <a:fld id="{6403E9CE-6693-45FA-B7B1-E1636F392112}" type="datetimeFigureOut">
               <a:rPr lang="en-IN" smtClean="0"/>
-              <a:t>30-07-2019</a:t>
+              <a:t>13-08-2019</a:t>
             </a:fld>
             <a:endParaRPr lang="en-IN"/>
           </a:p>
@@ -6380,7 +6380,7 @@
         </p:nvGrpSpPr>
         <p:grpSpPr>
           <a:xfrm>
-            <a:off x="340150" y="2467466"/>
+            <a:off x="340150" y="2505566"/>
             <a:ext cx="3824140" cy="2582944"/>
             <a:chOff x="2271861" y="2064470"/>
             <a:chExt cx="3824140" cy="2582944"/>
@@ -11019,22 +11019,14 @@
           </a:p>
           <a:p>
             <a:r>
-              <a:rPr lang="en-IN" dirty="0" err="1"/>
-              <a:t>AudienceUrl</a:t>
-            </a:r>
-            <a:r>
-              <a:rPr lang="en-IN" dirty="0"/>
-              <a:t>:</a:t>
-            </a:r>
-          </a:p>
-          <a:p>
-            <a:r>
-              <a:rPr lang="en-IN" dirty="0" err="1"/>
-              <a:t>IssuerUrl</a:t>
-            </a:r>
-            <a:r>
-              <a:rPr lang="en-IN" dirty="0"/>
-              <a:t>:</a:t>
+              <a:rPr lang="en-IN" dirty="0"/>
+              <a:t>Audience:</a:t>
+            </a:r>
+          </a:p>
+          <a:p>
+            <a:r>
+              <a:rPr lang="en-IN" dirty="0"/>
+              <a:t>Issuer:</a:t>
             </a:r>
           </a:p>
           <a:p>
